--- a/Background+literature review.pptx
+++ b/Background+literature review.pptx
@@ -5,7 +5,7 @@
     <p:sldMasterId id="2147483648" r:id="rId1"/>
   </p:sldMasterIdLst>
   <p:notesMasterIdLst>
-    <p:notesMasterId r:id="rId10"/>
+    <p:notesMasterId r:id="rId8"/>
   </p:notesMasterIdLst>
   <p:sldIdLst>
     <p:sldId id="256" r:id="rId2"/>
@@ -14,8 +14,6 @@
     <p:sldId id="264" r:id="rId5"/>
     <p:sldId id="259" r:id="rId6"/>
     <p:sldId id="260" r:id="rId7"/>
-    <p:sldId id="261" r:id="rId8"/>
-    <p:sldId id="262" r:id="rId9"/>
   </p:sldIdLst>
   <p:sldSz cx="14630400" cy="8229600"/>
   <p:notesSz cx="8229600" cy="14630400"/>
@@ -730,174 +728,6 @@
             <a:fld id="{F7021451-1387-4CA6-816F-3879F97B5CBC}" type="slidenum">
               <a:rPr lang="en-US"/>
               <a:t>6</a:t>
-            </a:fld>
-            <a:endParaRPr lang="en-US"/>
-          </a:p>
-        </p:txBody>
-      </p:sp>
-    </p:spTree>
-    <p:extLst>
-      <p:ext uri="{BB962C8B-B14F-4D97-AF65-F5344CB8AC3E}">
-        <p14:creationId xmlns:p14="http://schemas.microsoft.com/office/powerpoint/2010/main" val="1024086991"/>
-      </p:ext>
-    </p:extLst>
-  </p:cSld>
-  <p:clrMapOvr>
-    <a:masterClrMapping/>
-  </p:clrMapOvr>
-</p:notes>
-</file>
-
-<file path=ppt/notesSlides/notesSlide7.xml><?xml version="1.0" encoding="utf-8"?>
-<p:notes xmlns:a="http://schemas.openxmlformats.org/drawingml/2006/main" xmlns:r="http://schemas.openxmlformats.org/officeDocument/2006/relationships" xmlns:p="http://schemas.openxmlformats.org/presentationml/2006/main">
-  <p:cSld>
-    <p:spTree>
-      <p:nvGrpSpPr>
-        <p:cNvPr id="1" name=""/>
-        <p:cNvGrpSpPr/>
-        <p:nvPr/>
-      </p:nvGrpSpPr>
-      <p:grpSpPr>
-        <a:xfrm>
-          <a:off x="0" y="0"/>
-          <a:ext cx="0" cy="0"/>
-          <a:chOff x="0" y="0"/>
-          <a:chExt cx="0" cy="0"/>
-        </a:xfrm>
-      </p:grpSpPr>
-      <p:sp>
-        <p:nvSpPr>
-          <p:cNvPr id="2" name="Slide Image Placeholder 1"/>
-          <p:cNvSpPr>
-            <a:spLocks noGrp="1" noRot="1" noChangeAspect="1"/>
-          </p:cNvSpPr>
-          <p:nvPr>
-            <p:ph type="sldImg"/>
-          </p:nvPr>
-        </p:nvSpPr>
-        <p:spPr/>
-      </p:sp>
-      <p:sp>
-        <p:nvSpPr>
-          <p:cNvPr id="3" name="Notes Placeholder 2"/>
-          <p:cNvSpPr>
-            <a:spLocks noGrp="1"/>
-          </p:cNvSpPr>
-          <p:nvPr>
-            <p:ph type="body" idx="1"/>
-          </p:nvPr>
-        </p:nvSpPr>
-        <p:spPr/>
-        <p:txBody>
-          <a:bodyPr/>
-          <a:lstStyle/>
-          <a:p>
-            <a:endParaRPr lang="en-US" dirty="0"/>
-          </a:p>
-        </p:txBody>
-      </p:sp>
-      <p:sp>
-        <p:nvSpPr>
-          <p:cNvPr id="4" name="Slide Number Placeholder 3"/>
-          <p:cNvSpPr>
-            <a:spLocks noGrp="1"/>
-          </p:cNvSpPr>
-          <p:nvPr>
-            <p:ph type="sldNum" sz="quarter" idx="10"/>
-          </p:nvPr>
-        </p:nvSpPr>
-        <p:spPr/>
-        <p:txBody>
-          <a:bodyPr/>
-          <a:lstStyle/>
-          <a:p>
-            <a:fld id="{F7021451-1387-4CA6-816F-3879F97B5CBC}" type="slidenum">
-              <a:rPr lang="en-US"/>
-              <a:t>7</a:t>
-            </a:fld>
-            <a:endParaRPr lang="en-US"/>
-          </a:p>
-        </p:txBody>
-      </p:sp>
-    </p:spTree>
-    <p:extLst>
-      <p:ext uri="{BB962C8B-B14F-4D97-AF65-F5344CB8AC3E}">
-        <p14:creationId xmlns:p14="http://schemas.microsoft.com/office/powerpoint/2010/main" val="1024086991"/>
-      </p:ext>
-    </p:extLst>
-  </p:cSld>
-  <p:clrMapOvr>
-    <a:masterClrMapping/>
-  </p:clrMapOvr>
-</p:notes>
-</file>
-
-<file path=ppt/notesSlides/notesSlide8.xml><?xml version="1.0" encoding="utf-8"?>
-<p:notes xmlns:a="http://schemas.openxmlformats.org/drawingml/2006/main" xmlns:r="http://schemas.openxmlformats.org/officeDocument/2006/relationships" xmlns:p="http://schemas.openxmlformats.org/presentationml/2006/main">
-  <p:cSld>
-    <p:spTree>
-      <p:nvGrpSpPr>
-        <p:cNvPr id="1" name=""/>
-        <p:cNvGrpSpPr/>
-        <p:nvPr/>
-      </p:nvGrpSpPr>
-      <p:grpSpPr>
-        <a:xfrm>
-          <a:off x="0" y="0"/>
-          <a:ext cx="0" cy="0"/>
-          <a:chOff x="0" y="0"/>
-          <a:chExt cx="0" cy="0"/>
-        </a:xfrm>
-      </p:grpSpPr>
-      <p:sp>
-        <p:nvSpPr>
-          <p:cNvPr id="2" name="Slide Image Placeholder 1"/>
-          <p:cNvSpPr>
-            <a:spLocks noGrp="1" noRot="1" noChangeAspect="1"/>
-          </p:cNvSpPr>
-          <p:nvPr>
-            <p:ph type="sldImg"/>
-          </p:nvPr>
-        </p:nvSpPr>
-        <p:spPr/>
-      </p:sp>
-      <p:sp>
-        <p:nvSpPr>
-          <p:cNvPr id="3" name="Notes Placeholder 2"/>
-          <p:cNvSpPr>
-            <a:spLocks noGrp="1"/>
-          </p:cNvSpPr>
-          <p:nvPr>
-            <p:ph type="body" idx="1"/>
-          </p:nvPr>
-        </p:nvSpPr>
-        <p:spPr/>
-        <p:txBody>
-          <a:bodyPr/>
-          <a:lstStyle/>
-          <a:p>
-            <a:endParaRPr lang="en-US" dirty="0"/>
-          </a:p>
-        </p:txBody>
-      </p:sp>
-      <p:sp>
-        <p:nvSpPr>
-          <p:cNvPr id="4" name="Slide Number Placeholder 3"/>
-          <p:cNvSpPr>
-            <a:spLocks noGrp="1"/>
-          </p:cNvSpPr>
-          <p:nvPr>
-            <p:ph type="sldNum" sz="quarter" idx="10"/>
-          </p:nvPr>
-        </p:nvSpPr>
-        <p:spPr/>
-        <p:txBody>
-          <a:bodyPr/>
-          <a:lstStyle/>
-          <a:p>
-            <a:fld id="{F7021451-1387-4CA6-816F-3879F97B5CBC}" type="slidenum">
-              <a:rPr lang="en-US"/>
-              <a:t>8</a:t>
             </a:fld>
             <a:endParaRPr lang="en-US"/>
           </a:p>
@@ -2854,7 +2684,7 @@
         </p:nvSpPr>
         <p:spPr>
           <a:xfrm>
-            <a:off x="0" y="0"/>
+            <a:off x="-29830" y="0"/>
             <a:ext cx="14630400" cy="8229600"/>
           </a:xfrm>
           <a:prstGeom prst="rect">
@@ -2905,7 +2735,7 @@
         </p:nvSpPr>
         <p:spPr>
           <a:xfrm>
-            <a:off x="4490799" y="1337905"/>
+            <a:off x="4025562" y="1320544"/>
             <a:ext cx="6579275" cy="694373"/>
           </a:xfrm>
           <a:prstGeom prst="rect">
@@ -2933,7 +2763,7 @@
                 <a:ea typeface="Overpass" pitchFamily="34" charset="-122"/>
                 <a:cs typeface="Overpass" pitchFamily="34" charset="-120"/>
               </a:rPr>
-              <a:t>Exploring Existing Projects</a:t>
+              <a:t>Reviewing Codes &amp; Exploring Existing Projects</a:t>
             </a:r>
             <a:endParaRPr lang="en-US" sz="4374" dirty="0"/>
           </a:p>
@@ -3911,1311 +3741,6 @@
         </p:nvPicPr>
         <p:blipFill>
           <a:blip r:embed="rId8"/>
-          <a:stretch>
-            <a:fillRect/>
-          </a:stretch>
-        </p:blipFill>
-        <p:spPr>
-          <a:xfrm>
-            <a:off x="12242153" y="7589520"/>
-            <a:ext cx="2296807" cy="548640"/>
-          </a:xfrm>
-          <a:prstGeom prst="rect">
-            <a:avLst/>
-          </a:prstGeom>
-        </p:spPr>
-      </p:pic>
-    </p:spTree>
-  </p:cSld>
-  <p:clrMapOvr>
-    <a:masterClrMapping/>
-  </p:clrMapOvr>
-</p:sld>
-</file>
-
-<file path=ppt/slides/slide7.xml><?xml version="1.0" encoding="utf-8"?>
-<p:sld xmlns:a="http://schemas.openxmlformats.org/drawingml/2006/main" xmlns:r="http://schemas.openxmlformats.org/officeDocument/2006/relationships" xmlns:p="http://schemas.openxmlformats.org/presentationml/2006/main">
-  <p:cSld name="Slide 6">
-    <p:spTree>
-      <p:nvGrpSpPr>
-        <p:cNvPr id="1" name=""/>
-        <p:cNvGrpSpPr/>
-        <p:nvPr/>
-      </p:nvGrpSpPr>
-      <p:grpSpPr>
-        <a:xfrm>
-          <a:off x="0" y="0"/>
-          <a:ext cx="0" cy="0"/>
-          <a:chOff x="0" y="0"/>
-          <a:chExt cx="0" cy="0"/>
-        </a:xfrm>
-      </p:grpSpPr>
-      <p:pic>
-        <p:nvPicPr>
-          <p:cNvPr id="2" name="Image 0" descr="preencoded.png"/>
-          <p:cNvPicPr>
-            <a:picLocks noChangeAspect="1"/>
-          </p:cNvPicPr>
-          <p:nvPr/>
-        </p:nvPicPr>
-        <p:blipFill>
-          <a:blip r:embed="rId3"/>
-          <a:stretch>
-            <a:fillRect/>
-          </a:stretch>
-        </p:blipFill>
-        <p:spPr>
-          <a:xfrm>
-            <a:off x="0" y="0"/>
-            <a:ext cx="14630400" cy="8229600"/>
-          </a:xfrm>
-          <a:prstGeom prst="rect">
-            <a:avLst/>
-          </a:prstGeom>
-        </p:spPr>
-      </p:pic>
-      <p:sp>
-        <p:nvSpPr>
-          <p:cNvPr id="3" name="Shape 0"/>
-          <p:cNvSpPr/>
-          <p:nvPr/>
-        </p:nvSpPr>
-        <p:spPr>
-          <a:xfrm>
-            <a:off x="0" y="0"/>
-            <a:ext cx="14630400" cy="8229600"/>
-          </a:xfrm>
-          <a:prstGeom prst="rect">
-            <a:avLst/>
-          </a:prstGeom>
-          <a:solidFill>
-            <a:srgbClr val="0C0C0C"/>
-          </a:solidFill>
-          <a:ln/>
-        </p:spPr>
-      </p:sp>
-      <p:sp>
-        <p:nvSpPr>
-          <p:cNvPr id="4" name="Text 1"/>
-          <p:cNvSpPr/>
-          <p:nvPr/>
-        </p:nvSpPr>
-        <p:spPr>
-          <a:xfrm>
-            <a:off x="2348389" y="1325285"/>
-            <a:ext cx="9933503" cy="1388745"/>
-          </a:xfrm>
-          <a:prstGeom prst="rect">
-            <a:avLst/>
-          </a:prstGeom>
-          <a:noFill/>
-          <a:ln/>
-        </p:spPr>
-        <p:txBody>
-          <a:bodyPr wrap="square" rtlCol="0" anchor="t"/>
-          <a:lstStyle/>
-          <a:p>
-            <a:pPr marL="0" indent="0">
-              <a:lnSpc>
-                <a:spcPts val="5468"/>
-              </a:lnSpc>
-              <a:buNone/>
-            </a:pPr>
-            <a:r>
-              <a:rPr lang="en-US" sz="4374" b="1" kern="0" spc="-131" dirty="0">
-                <a:solidFill>
-                  <a:srgbClr val="FFFFFF"/>
-                </a:solidFill>
-                <a:latin typeface="Overpass" pitchFamily="34" charset="0"/>
-                <a:ea typeface="Overpass" pitchFamily="34" charset="-122"/>
-                <a:cs typeface="Overpass" pitchFamily="34" charset="-120"/>
-              </a:rPr>
-              <a:t>Data Preprocessing and Feature Engineering</a:t>
-            </a:r>
-            <a:endParaRPr lang="en-US" sz="4374" dirty="0"/>
-          </a:p>
-        </p:txBody>
-      </p:sp>
-      <p:pic>
-        <p:nvPicPr>
-          <p:cNvPr id="5" name="Image 1" descr="preencoded.png"/>
-          <p:cNvPicPr>
-            <a:picLocks noChangeAspect="1"/>
-          </p:cNvPicPr>
-          <p:nvPr/>
-        </p:nvPicPr>
-        <p:blipFill>
-          <a:blip r:embed="rId4"/>
-          <a:stretch>
-            <a:fillRect/>
-          </a:stretch>
-        </p:blipFill>
-        <p:spPr>
-          <a:xfrm>
-            <a:off x="2348389" y="3158371"/>
-            <a:ext cx="555427" cy="555427"/>
-          </a:xfrm>
-          <a:prstGeom prst="rect">
-            <a:avLst/>
-          </a:prstGeom>
-        </p:spPr>
-      </p:pic>
-      <p:sp>
-        <p:nvSpPr>
-          <p:cNvPr id="6" name="Text 2"/>
-          <p:cNvSpPr/>
-          <p:nvPr/>
-        </p:nvSpPr>
-        <p:spPr>
-          <a:xfrm>
-            <a:off x="2348389" y="3935968"/>
-            <a:ext cx="2233374" cy="347186"/>
-          </a:xfrm>
-          <a:prstGeom prst="rect">
-            <a:avLst/>
-          </a:prstGeom>
-          <a:noFill/>
-          <a:ln/>
-        </p:spPr>
-        <p:txBody>
-          <a:bodyPr wrap="none" rtlCol="0" anchor="t"/>
-          <a:lstStyle/>
-          <a:p>
-            <a:pPr marL="0" indent="0" algn="l">
-              <a:lnSpc>
-                <a:spcPts val="2734"/>
-              </a:lnSpc>
-              <a:buNone/>
-            </a:pPr>
-            <a:r>
-              <a:rPr lang="en-US" sz="2187" b="1" kern="0" spc="-66" dirty="0">
-                <a:solidFill>
-                  <a:srgbClr val="E5E0DF"/>
-                </a:solidFill>
-                <a:latin typeface="Overpass" pitchFamily="34" charset="0"/>
-                <a:ea typeface="Overpass" pitchFamily="34" charset="-122"/>
-                <a:cs typeface="Overpass" pitchFamily="34" charset="-120"/>
-              </a:rPr>
-              <a:t>Normalization</a:t>
-            </a:r>
-            <a:endParaRPr lang="en-US" sz="2187" dirty="0"/>
-          </a:p>
-        </p:txBody>
-      </p:sp>
-      <p:sp>
-        <p:nvSpPr>
-          <p:cNvPr id="7" name="Text 3"/>
-          <p:cNvSpPr/>
-          <p:nvPr/>
-        </p:nvSpPr>
-        <p:spPr>
-          <a:xfrm>
-            <a:off x="2348389" y="4416385"/>
-            <a:ext cx="2233374" cy="2132409"/>
-          </a:xfrm>
-          <a:prstGeom prst="rect">
-            <a:avLst/>
-          </a:prstGeom>
-          <a:noFill/>
-          <a:ln/>
-        </p:spPr>
-        <p:txBody>
-          <a:bodyPr wrap="square" rtlCol="0" anchor="t"/>
-          <a:lstStyle/>
-          <a:p>
-            <a:pPr marL="0" indent="0" algn="l">
-              <a:lnSpc>
-                <a:spcPts val="2799"/>
-              </a:lnSpc>
-              <a:buNone/>
-            </a:pPr>
-            <a:r>
-              <a:rPr lang="en-US" sz="1750" dirty="0">
-                <a:solidFill>
-                  <a:srgbClr val="E5E0DF"/>
-                </a:solidFill>
-                <a:latin typeface="Overpass" pitchFamily="34" charset="0"/>
-                <a:ea typeface="Overpass" pitchFamily="34" charset="-122"/>
-                <a:cs typeface="Overpass" pitchFamily="34" charset="-120"/>
-              </a:rPr>
-              <a:t>Scaling and normalizing the features to ensure proper convergence during neural network training.</a:t>
-            </a:r>
-            <a:endParaRPr lang="en-US" sz="1750" dirty="0"/>
-          </a:p>
-        </p:txBody>
-      </p:sp>
-      <p:pic>
-        <p:nvPicPr>
-          <p:cNvPr id="8" name="Image 2" descr="preencoded.png"/>
-          <p:cNvPicPr>
-            <a:picLocks noChangeAspect="1"/>
-          </p:cNvPicPr>
-          <p:nvPr/>
-        </p:nvPicPr>
-        <p:blipFill>
-          <a:blip r:embed="rId5"/>
-          <a:stretch>
-            <a:fillRect/>
-          </a:stretch>
-        </p:blipFill>
-        <p:spPr>
-          <a:xfrm>
-            <a:off x="4915019" y="3158371"/>
-            <a:ext cx="555427" cy="555427"/>
-          </a:xfrm>
-          <a:prstGeom prst="rect">
-            <a:avLst/>
-          </a:prstGeom>
-        </p:spPr>
-      </p:pic>
-      <p:sp>
-        <p:nvSpPr>
-          <p:cNvPr id="9" name="Text 4"/>
-          <p:cNvSpPr/>
-          <p:nvPr/>
-        </p:nvSpPr>
-        <p:spPr>
-          <a:xfrm>
-            <a:off x="4915019" y="3935968"/>
-            <a:ext cx="2233493" cy="347186"/>
-          </a:xfrm>
-          <a:prstGeom prst="rect">
-            <a:avLst/>
-          </a:prstGeom>
-          <a:noFill/>
-          <a:ln/>
-        </p:spPr>
-        <p:txBody>
-          <a:bodyPr wrap="none" rtlCol="0" anchor="t"/>
-          <a:lstStyle/>
-          <a:p>
-            <a:pPr marL="0" indent="0" algn="l">
-              <a:lnSpc>
-                <a:spcPts val="2734"/>
-              </a:lnSpc>
-              <a:buNone/>
-            </a:pPr>
-            <a:r>
-              <a:rPr lang="en-US" sz="2187" b="1" kern="0" spc="-66" dirty="0">
-                <a:solidFill>
-                  <a:srgbClr val="E5E0DF"/>
-                </a:solidFill>
-                <a:latin typeface="Overpass" pitchFamily="34" charset="0"/>
-                <a:ea typeface="Overpass" pitchFamily="34" charset="-122"/>
-                <a:cs typeface="Overpass" pitchFamily="34" charset="-120"/>
-              </a:rPr>
-              <a:t>Encoding</a:t>
-            </a:r>
-            <a:endParaRPr lang="en-US" sz="2187" dirty="0"/>
-          </a:p>
-        </p:txBody>
-      </p:sp>
-      <p:sp>
-        <p:nvSpPr>
-          <p:cNvPr id="10" name="Text 5"/>
-          <p:cNvSpPr/>
-          <p:nvPr/>
-        </p:nvSpPr>
-        <p:spPr>
-          <a:xfrm>
-            <a:off x="4915019" y="4416385"/>
-            <a:ext cx="2233493" cy="2132409"/>
-          </a:xfrm>
-          <a:prstGeom prst="rect">
-            <a:avLst/>
-          </a:prstGeom>
-          <a:noFill/>
-          <a:ln/>
-        </p:spPr>
-        <p:txBody>
-          <a:bodyPr wrap="square" rtlCol="0" anchor="t"/>
-          <a:lstStyle/>
-          <a:p>
-            <a:pPr marL="0" indent="0" algn="l">
-              <a:lnSpc>
-                <a:spcPts val="2799"/>
-              </a:lnSpc>
-              <a:buNone/>
-            </a:pPr>
-            <a:r>
-              <a:rPr lang="en-US" sz="1750" dirty="0">
-                <a:solidFill>
-                  <a:srgbClr val="E5E0DF"/>
-                </a:solidFill>
-                <a:latin typeface="Overpass" pitchFamily="34" charset="0"/>
-                <a:ea typeface="Overpass" pitchFamily="34" charset="-122"/>
-                <a:cs typeface="Overpass" pitchFamily="34" charset="-120"/>
-              </a:rPr>
-              <a:t>Transforming categorical features into a numerical representation that the neural network can effectively utilize.</a:t>
-            </a:r>
-            <a:endParaRPr lang="en-US" sz="1750" dirty="0"/>
-          </a:p>
-        </p:txBody>
-      </p:sp>
-      <p:pic>
-        <p:nvPicPr>
-          <p:cNvPr id="11" name="Image 3" descr="preencoded.png"/>
-          <p:cNvPicPr>
-            <a:picLocks noChangeAspect="1"/>
-          </p:cNvPicPr>
-          <p:nvPr/>
-        </p:nvPicPr>
-        <p:blipFill>
-          <a:blip r:embed="rId6"/>
-          <a:stretch>
-            <a:fillRect/>
-          </a:stretch>
-        </p:blipFill>
-        <p:spPr>
-          <a:xfrm>
-            <a:off x="7481768" y="3158371"/>
-            <a:ext cx="555427" cy="555427"/>
-          </a:xfrm>
-          <a:prstGeom prst="rect">
-            <a:avLst/>
-          </a:prstGeom>
-        </p:spPr>
-      </p:pic>
-      <p:sp>
-        <p:nvSpPr>
-          <p:cNvPr id="12" name="Text 6"/>
-          <p:cNvSpPr/>
-          <p:nvPr/>
-        </p:nvSpPr>
-        <p:spPr>
-          <a:xfrm>
-            <a:off x="7481768" y="3935968"/>
-            <a:ext cx="2233374" cy="347186"/>
-          </a:xfrm>
-          <a:prstGeom prst="rect">
-            <a:avLst/>
-          </a:prstGeom>
-          <a:noFill/>
-          <a:ln/>
-        </p:spPr>
-        <p:txBody>
-          <a:bodyPr wrap="none" rtlCol="0" anchor="t"/>
-          <a:lstStyle/>
-          <a:p>
-            <a:pPr marL="0" indent="0" algn="l">
-              <a:lnSpc>
-                <a:spcPts val="2734"/>
-              </a:lnSpc>
-              <a:buNone/>
-            </a:pPr>
-            <a:r>
-              <a:rPr lang="en-US" sz="2187" b="1" kern="0" spc="-66" dirty="0">
-                <a:solidFill>
-                  <a:srgbClr val="E5E0DF"/>
-                </a:solidFill>
-                <a:latin typeface="Overpass" pitchFamily="34" charset="0"/>
-                <a:ea typeface="Overpass" pitchFamily="34" charset="-122"/>
-                <a:cs typeface="Overpass" pitchFamily="34" charset="-120"/>
-              </a:rPr>
-              <a:t>Feature Selection</a:t>
-            </a:r>
-            <a:endParaRPr lang="en-US" sz="2187" dirty="0"/>
-          </a:p>
-        </p:txBody>
-      </p:sp>
-      <p:sp>
-        <p:nvSpPr>
-          <p:cNvPr id="13" name="Text 7"/>
-          <p:cNvSpPr/>
-          <p:nvPr/>
-        </p:nvSpPr>
-        <p:spPr>
-          <a:xfrm>
-            <a:off x="7481768" y="4416385"/>
-            <a:ext cx="2233374" cy="2487811"/>
-          </a:xfrm>
-          <a:prstGeom prst="rect">
-            <a:avLst/>
-          </a:prstGeom>
-          <a:noFill/>
-          <a:ln/>
-        </p:spPr>
-        <p:txBody>
-          <a:bodyPr wrap="square" rtlCol="0" anchor="t"/>
-          <a:lstStyle/>
-          <a:p>
-            <a:pPr marL="0" indent="0" algn="l">
-              <a:lnSpc>
-                <a:spcPts val="2799"/>
-              </a:lnSpc>
-              <a:buNone/>
-            </a:pPr>
-            <a:r>
-              <a:rPr lang="en-US" sz="1750" dirty="0">
-                <a:solidFill>
-                  <a:srgbClr val="E5E0DF"/>
-                </a:solidFill>
-                <a:latin typeface="Overpass" pitchFamily="34" charset="0"/>
-                <a:ea typeface="Overpass" pitchFamily="34" charset="-122"/>
-                <a:cs typeface="Overpass" pitchFamily="34" charset="-120"/>
-              </a:rPr>
-              <a:t>Identifying the most informative features to include in the neural network model, improving its accuracy and generalization.</a:t>
-            </a:r>
-            <a:endParaRPr lang="en-US" sz="1750" dirty="0"/>
-          </a:p>
-        </p:txBody>
-      </p:sp>
-      <p:pic>
-        <p:nvPicPr>
-          <p:cNvPr id="14" name="Image 4" descr="preencoded.png"/>
-          <p:cNvPicPr>
-            <a:picLocks noChangeAspect="1"/>
-          </p:cNvPicPr>
-          <p:nvPr/>
-        </p:nvPicPr>
-        <p:blipFill>
-          <a:blip r:embed="rId7"/>
-          <a:stretch>
-            <a:fillRect/>
-          </a:stretch>
-        </p:blipFill>
-        <p:spPr>
-          <a:xfrm>
-            <a:off x="10048399" y="3158371"/>
-            <a:ext cx="555427" cy="555427"/>
-          </a:xfrm>
-          <a:prstGeom prst="rect">
-            <a:avLst/>
-          </a:prstGeom>
-        </p:spPr>
-      </p:pic>
-      <p:sp>
-        <p:nvSpPr>
-          <p:cNvPr id="15" name="Text 8"/>
-          <p:cNvSpPr/>
-          <p:nvPr/>
-        </p:nvSpPr>
-        <p:spPr>
-          <a:xfrm>
-            <a:off x="10048399" y="3935968"/>
-            <a:ext cx="2233493" cy="694373"/>
-          </a:xfrm>
-          <a:prstGeom prst="rect">
-            <a:avLst/>
-          </a:prstGeom>
-          <a:noFill/>
-          <a:ln/>
-        </p:spPr>
-        <p:txBody>
-          <a:bodyPr wrap="square" rtlCol="0" anchor="t"/>
-          <a:lstStyle/>
-          <a:p>
-            <a:pPr marL="0" indent="0" algn="l">
-              <a:lnSpc>
-                <a:spcPts val="2734"/>
-              </a:lnSpc>
-              <a:buNone/>
-            </a:pPr>
-            <a:r>
-              <a:rPr lang="en-US" sz="2187" b="1" kern="0" spc="-66" dirty="0">
-                <a:solidFill>
-                  <a:srgbClr val="E5E0DF"/>
-                </a:solidFill>
-                <a:latin typeface="Overpass" pitchFamily="34" charset="0"/>
-                <a:ea typeface="Overpass" pitchFamily="34" charset="-122"/>
-                <a:cs typeface="Overpass" pitchFamily="34" charset="-120"/>
-              </a:rPr>
-              <a:t>Missing Data Handling</a:t>
-            </a:r>
-            <a:endParaRPr lang="en-US" sz="2187" dirty="0"/>
-          </a:p>
-        </p:txBody>
-      </p:sp>
-      <p:sp>
-        <p:nvSpPr>
-          <p:cNvPr id="16" name="Text 9"/>
-          <p:cNvSpPr/>
-          <p:nvPr/>
-        </p:nvSpPr>
-        <p:spPr>
-          <a:xfrm>
-            <a:off x="10048399" y="4763572"/>
-            <a:ext cx="2233493" cy="2132409"/>
-          </a:xfrm>
-          <a:prstGeom prst="rect">
-            <a:avLst/>
-          </a:prstGeom>
-          <a:noFill/>
-          <a:ln/>
-        </p:spPr>
-        <p:txBody>
-          <a:bodyPr wrap="square" rtlCol="0" anchor="t"/>
-          <a:lstStyle/>
-          <a:p>
-            <a:pPr marL="0" indent="0" algn="l">
-              <a:lnSpc>
-                <a:spcPts val="2799"/>
-              </a:lnSpc>
-              <a:buNone/>
-            </a:pPr>
-            <a:r>
-              <a:rPr lang="en-US" sz="1750" dirty="0">
-                <a:solidFill>
-                  <a:srgbClr val="E5E0DF"/>
-                </a:solidFill>
-                <a:latin typeface="Overpass" pitchFamily="34" charset="0"/>
-                <a:ea typeface="Overpass" pitchFamily="34" charset="-122"/>
-                <a:cs typeface="Overpass" pitchFamily="34" charset="-120"/>
-              </a:rPr>
-              <a:t>Addressing and imputing any missing values in the dataset to ensure a complete and robust training process.</a:t>
-            </a:r>
-            <a:endParaRPr lang="en-US" sz="1750" dirty="0"/>
-          </a:p>
-        </p:txBody>
-      </p:sp>
-      <p:pic>
-        <p:nvPicPr>
-          <p:cNvPr id="17" name="Image 5" descr="preencoded.png">
-            <a:hlinkClick r:id="rId8"/>
-          </p:cNvPr>
-          <p:cNvPicPr>
-            <a:picLocks noChangeAspect="1"/>
-          </p:cNvPicPr>
-          <p:nvPr/>
-        </p:nvPicPr>
-        <p:blipFill>
-          <a:blip r:embed="rId9"/>
-          <a:stretch>
-            <a:fillRect/>
-          </a:stretch>
-        </p:blipFill>
-        <p:spPr>
-          <a:xfrm>
-            <a:off x="12242153" y="7589520"/>
-            <a:ext cx="2296807" cy="548640"/>
-          </a:xfrm>
-          <a:prstGeom prst="rect">
-            <a:avLst/>
-          </a:prstGeom>
-        </p:spPr>
-      </p:pic>
-    </p:spTree>
-  </p:cSld>
-  <p:clrMapOvr>
-    <a:masterClrMapping/>
-  </p:clrMapOvr>
-</p:sld>
-</file>
-
-<file path=ppt/slides/slide8.xml><?xml version="1.0" encoding="utf-8"?>
-<p:sld xmlns:a="http://schemas.openxmlformats.org/drawingml/2006/main" xmlns:r="http://schemas.openxmlformats.org/officeDocument/2006/relationships" xmlns:p="http://schemas.openxmlformats.org/presentationml/2006/main">
-  <p:cSld name="Slide 7">
-    <p:spTree>
-      <p:nvGrpSpPr>
-        <p:cNvPr id="1" name=""/>
-        <p:cNvGrpSpPr/>
-        <p:nvPr/>
-      </p:nvGrpSpPr>
-      <p:grpSpPr>
-        <a:xfrm>
-          <a:off x="0" y="0"/>
-          <a:ext cx="0" cy="0"/>
-          <a:chOff x="0" y="0"/>
-          <a:chExt cx="0" cy="0"/>
-        </a:xfrm>
-      </p:grpSpPr>
-      <p:pic>
-        <p:nvPicPr>
-          <p:cNvPr id="2" name="Image 0" descr="preencoded.png"/>
-          <p:cNvPicPr>
-            <a:picLocks noChangeAspect="1"/>
-          </p:cNvPicPr>
-          <p:nvPr/>
-        </p:nvPicPr>
-        <p:blipFill>
-          <a:blip r:embed="rId3"/>
-          <a:stretch>
-            <a:fillRect/>
-          </a:stretch>
-        </p:blipFill>
-        <p:spPr>
-          <a:xfrm>
-            <a:off x="0" y="0"/>
-            <a:ext cx="14630400" cy="8229600"/>
-          </a:xfrm>
-          <a:prstGeom prst="rect">
-            <a:avLst/>
-          </a:prstGeom>
-        </p:spPr>
-      </p:pic>
-      <p:sp>
-        <p:nvSpPr>
-          <p:cNvPr id="3" name="Shape 0"/>
-          <p:cNvSpPr/>
-          <p:nvPr/>
-        </p:nvSpPr>
-        <p:spPr>
-          <a:xfrm>
-            <a:off x="0" y="0"/>
-            <a:ext cx="14630400" cy="8229600"/>
-          </a:xfrm>
-          <a:prstGeom prst="rect">
-            <a:avLst/>
-          </a:prstGeom>
-          <a:solidFill>
-            <a:srgbClr val="0C0C0C"/>
-          </a:solidFill>
-          <a:ln/>
-        </p:spPr>
-      </p:sp>
-      <p:sp>
-        <p:nvSpPr>
-          <p:cNvPr id="4" name="Text 1"/>
-          <p:cNvSpPr/>
-          <p:nvPr/>
-        </p:nvSpPr>
-        <p:spPr>
-          <a:xfrm>
-            <a:off x="2348389" y="1109305"/>
-            <a:ext cx="7304127" cy="694373"/>
-          </a:xfrm>
-          <a:prstGeom prst="rect">
-            <a:avLst/>
-          </a:prstGeom>
-          <a:noFill/>
-          <a:ln/>
-        </p:spPr>
-        <p:txBody>
-          <a:bodyPr wrap="none" rtlCol="0" anchor="t"/>
-          <a:lstStyle/>
-          <a:p>
-            <a:pPr marL="0" indent="0">
-              <a:lnSpc>
-                <a:spcPts val="5468"/>
-              </a:lnSpc>
-              <a:buNone/>
-            </a:pPr>
-            <a:r>
-              <a:rPr lang="en-US" sz="4374" b="1" kern="0" spc="-131" dirty="0">
-                <a:solidFill>
-                  <a:srgbClr val="FFFFFF"/>
-                </a:solidFill>
-                <a:latin typeface="Overpass" pitchFamily="34" charset="0"/>
-                <a:ea typeface="Overpass" pitchFamily="34" charset="-122"/>
-                <a:cs typeface="Overpass" pitchFamily="34" charset="-120"/>
-              </a:rPr>
-              <a:t>Model Training and Evaluation</a:t>
-            </a:r>
-            <a:endParaRPr lang="en-US" sz="4374" dirty="0"/>
-          </a:p>
-        </p:txBody>
-      </p:sp>
-      <p:sp>
-        <p:nvSpPr>
-          <p:cNvPr id="5" name="Shape 2"/>
-          <p:cNvSpPr/>
-          <p:nvPr/>
-        </p:nvSpPr>
-        <p:spPr>
-          <a:xfrm>
-            <a:off x="2348389" y="2248019"/>
-            <a:ext cx="9933503" cy="3200757"/>
-          </a:xfrm>
-          <a:prstGeom prst="roundRect">
-            <a:avLst>
-              <a:gd name="adj" fmla="val 3124"/>
-            </a:avLst>
-          </a:prstGeom>
-          <a:noFill/>
-          <a:ln w="7620">
-            <a:solidFill>
-              <a:srgbClr val="FFFFFF">
-                <a:alpha val="24000"/>
-              </a:srgbClr>
-            </a:solidFill>
-            <a:prstDash val="solid"/>
-          </a:ln>
-        </p:spPr>
-      </p:sp>
-      <p:sp>
-        <p:nvSpPr>
-          <p:cNvPr id="6" name="Shape 3"/>
-          <p:cNvSpPr/>
-          <p:nvPr/>
-        </p:nvSpPr>
-        <p:spPr>
-          <a:xfrm>
-            <a:off x="2356009" y="2255639"/>
-            <a:ext cx="9918263" cy="637103"/>
-          </a:xfrm>
-          <a:prstGeom prst="rect">
-            <a:avLst/>
-          </a:prstGeom>
-          <a:solidFill>
-            <a:srgbClr val="FFFFFF">
-              <a:alpha val="4000"/>
-            </a:srgbClr>
-          </a:solidFill>
-          <a:ln/>
-        </p:spPr>
-        <p:txBody>
-          <a:bodyPr/>
-          <a:lstStyle/>
-          <a:p>
-            <a:endParaRPr lang="en-US" dirty="0"/>
-          </a:p>
-        </p:txBody>
-      </p:sp>
-      <p:sp>
-        <p:nvSpPr>
-          <p:cNvPr id="7" name="Text 4"/>
-          <p:cNvSpPr/>
-          <p:nvPr/>
-        </p:nvSpPr>
-        <p:spPr>
-          <a:xfrm>
-            <a:off x="2578298" y="2396490"/>
-            <a:ext cx="4510921" cy="355402"/>
-          </a:xfrm>
-          <a:prstGeom prst="rect">
-            <a:avLst/>
-          </a:prstGeom>
-          <a:noFill/>
-          <a:ln/>
-        </p:spPr>
-        <p:txBody>
-          <a:bodyPr wrap="none" rtlCol="0" anchor="t"/>
-          <a:lstStyle/>
-          <a:p>
-            <a:pPr marL="0" indent="0">
-              <a:lnSpc>
-                <a:spcPts val="2799"/>
-              </a:lnSpc>
-              <a:buNone/>
-            </a:pPr>
-            <a:r>
-              <a:rPr lang="en-US" sz="1750" dirty="0">
-                <a:solidFill>
-                  <a:srgbClr val="E5E0DF"/>
-                </a:solidFill>
-                <a:latin typeface="Overpass" pitchFamily="34" charset="0"/>
-                <a:ea typeface="Overpass" pitchFamily="34" charset="-122"/>
-              </a:rPr>
-              <a:t>Split  ratio(training/test)</a:t>
-            </a:r>
-            <a:endParaRPr lang="en-US" sz="1750" dirty="0"/>
-          </a:p>
-        </p:txBody>
-      </p:sp>
-      <p:sp>
-        <p:nvSpPr>
-          <p:cNvPr id="8" name="Text 5"/>
-          <p:cNvSpPr/>
-          <p:nvPr/>
-        </p:nvSpPr>
-        <p:spPr>
-          <a:xfrm>
-            <a:off x="7541181" y="2396490"/>
-            <a:ext cx="4510921" cy="355402"/>
-          </a:xfrm>
-          <a:prstGeom prst="rect">
-            <a:avLst/>
-          </a:prstGeom>
-          <a:noFill/>
-          <a:ln/>
-        </p:spPr>
-        <p:txBody>
-          <a:bodyPr wrap="none" rtlCol="0" anchor="t"/>
-          <a:lstStyle/>
-          <a:p>
-            <a:pPr marL="0" indent="0">
-              <a:lnSpc>
-                <a:spcPts val="2799"/>
-              </a:lnSpc>
-              <a:buNone/>
-            </a:pPr>
-            <a:r>
-              <a:rPr lang="en-US" sz="1750" dirty="0">
-                <a:solidFill>
-                  <a:srgbClr val="E5E0DF"/>
-                </a:solidFill>
-                <a:latin typeface="Overpass" pitchFamily="34" charset="0"/>
-                <a:ea typeface="Overpass" pitchFamily="34" charset="-122"/>
-              </a:rPr>
-              <a:t>Accuracy</a:t>
-            </a:r>
-            <a:endParaRPr lang="en-US" sz="1750" dirty="0"/>
-          </a:p>
-        </p:txBody>
-      </p:sp>
-      <p:sp>
-        <p:nvSpPr>
-          <p:cNvPr id="9" name="Shape 6"/>
-          <p:cNvSpPr/>
-          <p:nvPr/>
-        </p:nvSpPr>
-        <p:spPr>
-          <a:xfrm>
-            <a:off x="2356009" y="2892743"/>
-            <a:ext cx="9918263" cy="637103"/>
-          </a:xfrm>
-          <a:prstGeom prst="rect">
-            <a:avLst/>
-          </a:prstGeom>
-          <a:solidFill>
-            <a:srgbClr val="000000">
-              <a:alpha val="4000"/>
-            </a:srgbClr>
-          </a:solidFill>
-          <a:ln/>
-        </p:spPr>
-      </p:sp>
-      <p:sp>
-        <p:nvSpPr>
-          <p:cNvPr id="10" name="Text 7"/>
-          <p:cNvSpPr/>
-          <p:nvPr/>
-        </p:nvSpPr>
-        <p:spPr>
-          <a:xfrm>
-            <a:off x="2578298" y="3033593"/>
-            <a:ext cx="4510921" cy="355402"/>
-          </a:xfrm>
-          <a:prstGeom prst="rect">
-            <a:avLst/>
-          </a:prstGeom>
-          <a:noFill/>
-          <a:ln/>
-        </p:spPr>
-        <p:txBody>
-          <a:bodyPr wrap="none" rtlCol="0" anchor="t"/>
-          <a:lstStyle/>
-          <a:p>
-            <a:pPr marL="0" indent="0">
-              <a:lnSpc>
-                <a:spcPts val="2799"/>
-              </a:lnSpc>
-              <a:buNone/>
-            </a:pPr>
-            <a:r>
-              <a:rPr lang="en-US" sz="1750" dirty="0">
-                <a:solidFill>
-                  <a:srgbClr val="E5E0DF"/>
-                </a:solidFill>
-                <a:latin typeface="Overpass" pitchFamily="34" charset="0"/>
-                <a:ea typeface="Overpass" pitchFamily="34" charset="-122"/>
-              </a:rPr>
-              <a:t>0.75 / 0.25</a:t>
-            </a:r>
-            <a:endParaRPr lang="en-US" sz="1750" dirty="0"/>
-          </a:p>
-        </p:txBody>
-      </p:sp>
-      <p:sp>
-        <p:nvSpPr>
-          <p:cNvPr id="11" name="Text 8"/>
-          <p:cNvSpPr/>
-          <p:nvPr/>
-        </p:nvSpPr>
-        <p:spPr>
-          <a:xfrm>
-            <a:off x="7541181" y="3033593"/>
-            <a:ext cx="4510921" cy="355402"/>
-          </a:xfrm>
-          <a:prstGeom prst="rect">
-            <a:avLst/>
-          </a:prstGeom>
-          <a:noFill/>
-          <a:ln/>
-        </p:spPr>
-        <p:txBody>
-          <a:bodyPr wrap="none" rtlCol="0" anchor="t"/>
-          <a:lstStyle/>
-          <a:p>
-            <a:pPr marL="0" indent="0">
-              <a:lnSpc>
-                <a:spcPts val="2799"/>
-              </a:lnSpc>
-              <a:buNone/>
-            </a:pPr>
-            <a:r>
-              <a:rPr lang="en-US" sz="1750" dirty="0">
-                <a:solidFill>
-                  <a:srgbClr val="E5E0DF"/>
-                </a:solidFill>
-                <a:latin typeface="Overpass" pitchFamily="34" charset="0"/>
-                <a:ea typeface="Overpass" pitchFamily="34" charset="-122"/>
-                <a:cs typeface="Overpass" pitchFamily="34" charset="-120"/>
-              </a:rPr>
-              <a:t>99.22%</a:t>
-            </a:r>
-            <a:endParaRPr lang="en-US" sz="1750" dirty="0"/>
-          </a:p>
-        </p:txBody>
-      </p:sp>
-      <p:sp>
-        <p:nvSpPr>
-          <p:cNvPr id="12" name="Shape 9"/>
-          <p:cNvSpPr/>
-          <p:nvPr/>
-        </p:nvSpPr>
-        <p:spPr>
-          <a:xfrm>
-            <a:off x="2356009" y="3529846"/>
-            <a:ext cx="9918263" cy="637103"/>
-          </a:xfrm>
-          <a:prstGeom prst="rect">
-            <a:avLst/>
-          </a:prstGeom>
-          <a:solidFill>
-            <a:srgbClr val="FFFFFF">
-              <a:alpha val="4000"/>
-            </a:srgbClr>
-          </a:solidFill>
-          <a:ln/>
-        </p:spPr>
-      </p:sp>
-      <p:sp>
-        <p:nvSpPr>
-          <p:cNvPr id="13" name="Text 10"/>
-          <p:cNvSpPr/>
-          <p:nvPr/>
-        </p:nvSpPr>
-        <p:spPr>
-          <a:xfrm>
-            <a:off x="2578298" y="3670697"/>
-            <a:ext cx="4510921" cy="355402"/>
-          </a:xfrm>
-          <a:prstGeom prst="rect">
-            <a:avLst/>
-          </a:prstGeom>
-          <a:noFill/>
-          <a:ln/>
-        </p:spPr>
-        <p:txBody>
-          <a:bodyPr wrap="none" rtlCol="0" anchor="t"/>
-          <a:lstStyle/>
-          <a:p>
-            <a:pPr marL="0" indent="0">
-              <a:lnSpc>
-                <a:spcPts val="2799"/>
-              </a:lnSpc>
-              <a:buNone/>
-            </a:pPr>
-            <a:r>
-              <a:rPr lang="en-US" sz="1750" dirty="0">
-                <a:solidFill>
-                  <a:srgbClr val="E5E0DF"/>
-                </a:solidFill>
-                <a:latin typeface="Overpass" pitchFamily="34" charset="0"/>
-                <a:ea typeface="Overpass" pitchFamily="34" charset="-122"/>
-              </a:rPr>
-              <a:t>0.65 / 0.35</a:t>
-            </a:r>
-            <a:endParaRPr lang="en-US" sz="1750" dirty="0"/>
-          </a:p>
-        </p:txBody>
-      </p:sp>
-      <p:sp>
-        <p:nvSpPr>
-          <p:cNvPr id="14" name="Text 11"/>
-          <p:cNvSpPr/>
-          <p:nvPr/>
-        </p:nvSpPr>
-        <p:spPr>
-          <a:xfrm>
-            <a:off x="7541181" y="3670697"/>
-            <a:ext cx="4510921" cy="355402"/>
-          </a:xfrm>
-          <a:prstGeom prst="rect">
-            <a:avLst/>
-          </a:prstGeom>
-          <a:noFill/>
-          <a:ln/>
-        </p:spPr>
-        <p:txBody>
-          <a:bodyPr wrap="none" rtlCol="0" anchor="t"/>
-          <a:lstStyle/>
-          <a:p>
-            <a:pPr marL="0" indent="0">
-              <a:lnSpc>
-                <a:spcPts val="2799"/>
-              </a:lnSpc>
-              <a:buNone/>
-            </a:pPr>
-            <a:r>
-              <a:rPr lang="en-US" sz="1750" dirty="0">
-                <a:solidFill>
-                  <a:srgbClr val="E5E0DF"/>
-                </a:solidFill>
-                <a:latin typeface="Overpass" pitchFamily="34" charset="0"/>
-                <a:ea typeface="Overpass" pitchFamily="34" charset="-122"/>
-                <a:cs typeface="Overpass" pitchFamily="34" charset="-120"/>
-              </a:rPr>
-              <a:t>99.37%</a:t>
-            </a:r>
-            <a:endParaRPr lang="en-US" sz="1750" dirty="0"/>
-          </a:p>
-        </p:txBody>
-      </p:sp>
-      <p:sp>
-        <p:nvSpPr>
-          <p:cNvPr id="15" name="Shape 12"/>
-          <p:cNvSpPr/>
-          <p:nvPr/>
-        </p:nvSpPr>
-        <p:spPr>
-          <a:xfrm>
-            <a:off x="2356009" y="4166949"/>
-            <a:ext cx="9918263" cy="637103"/>
-          </a:xfrm>
-          <a:prstGeom prst="rect">
-            <a:avLst/>
-          </a:prstGeom>
-          <a:solidFill>
-            <a:srgbClr val="000000">
-              <a:alpha val="4000"/>
-            </a:srgbClr>
-          </a:solidFill>
-          <a:ln/>
-        </p:spPr>
-      </p:sp>
-      <p:sp>
-        <p:nvSpPr>
-          <p:cNvPr id="16" name="Text 13"/>
-          <p:cNvSpPr/>
-          <p:nvPr/>
-        </p:nvSpPr>
-        <p:spPr>
-          <a:xfrm>
-            <a:off x="2578298" y="4307800"/>
-            <a:ext cx="4510921" cy="355402"/>
-          </a:xfrm>
-          <a:prstGeom prst="rect">
-            <a:avLst/>
-          </a:prstGeom>
-          <a:noFill/>
-          <a:ln/>
-        </p:spPr>
-        <p:txBody>
-          <a:bodyPr wrap="none" rtlCol="0" anchor="t"/>
-          <a:lstStyle/>
-          <a:p>
-            <a:pPr marL="0" indent="0">
-              <a:lnSpc>
-                <a:spcPts val="2799"/>
-              </a:lnSpc>
-              <a:buNone/>
-            </a:pPr>
-            <a:r>
-              <a:rPr lang="en-US" sz="1750" dirty="0">
-                <a:solidFill>
-                  <a:srgbClr val="E5E0DF"/>
-                </a:solidFill>
-                <a:latin typeface="Overpass" pitchFamily="34" charset="0"/>
-                <a:ea typeface="Overpass" pitchFamily="34" charset="-122"/>
-              </a:rPr>
-              <a:t>0.55 / 0.45</a:t>
-            </a:r>
-            <a:endParaRPr lang="en-US" sz="1750" dirty="0"/>
-          </a:p>
-        </p:txBody>
-      </p:sp>
-      <p:sp>
-        <p:nvSpPr>
-          <p:cNvPr id="17" name="Text 14"/>
-          <p:cNvSpPr/>
-          <p:nvPr/>
-        </p:nvSpPr>
-        <p:spPr>
-          <a:xfrm>
-            <a:off x="7541181" y="4307800"/>
-            <a:ext cx="4510921" cy="355402"/>
-          </a:xfrm>
-          <a:prstGeom prst="rect">
-            <a:avLst/>
-          </a:prstGeom>
-          <a:noFill/>
-          <a:ln/>
-        </p:spPr>
-        <p:txBody>
-          <a:bodyPr wrap="none" rtlCol="0" anchor="t"/>
-          <a:lstStyle/>
-          <a:p>
-            <a:pPr marL="0" indent="0">
-              <a:lnSpc>
-                <a:spcPts val="2799"/>
-              </a:lnSpc>
-              <a:buNone/>
-            </a:pPr>
-            <a:r>
-              <a:rPr lang="en-US" sz="1750" dirty="0">
-                <a:solidFill>
-                  <a:srgbClr val="E5E0DF"/>
-                </a:solidFill>
-                <a:latin typeface="Overpass" pitchFamily="34" charset="0"/>
-                <a:ea typeface="Overpass" pitchFamily="34" charset="-122"/>
-                <a:cs typeface="Overpass" pitchFamily="34" charset="-120"/>
-              </a:rPr>
-              <a:t>99.32%</a:t>
-            </a:r>
-            <a:endParaRPr lang="en-US" sz="1750" dirty="0"/>
-          </a:p>
-        </p:txBody>
-      </p:sp>
-      <p:sp>
-        <p:nvSpPr>
-          <p:cNvPr id="18" name="Shape 15"/>
-          <p:cNvSpPr/>
-          <p:nvPr/>
-        </p:nvSpPr>
-        <p:spPr>
-          <a:xfrm>
-            <a:off x="2356009" y="4804053"/>
-            <a:ext cx="9918263" cy="637103"/>
-          </a:xfrm>
-          <a:prstGeom prst="rect">
-            <a:avLst/>
-          </a:prstGeom>
-          <a:solidFill>
-            <a:srgbClr val="FFFFFF">
-              <a:alpha val="4000"/>
-            </a:srgbClr>
-          </a:solidFill>
-          <a:ln/>
-        </p:spPr>
-      </p:sp>
-      <p:sp>
-        <p:nvSpPr>
-          <p:cNvPr id="19" name="Text 16"/>
-          <p:cNvSpPr/>
-          <p:nvPr/>
-        </p:nvSpPr>
-        <p:spPr>
-          <a:xfrm>
-            <a:off x="2578298" y="4944904"/>
-            <a:ext cx="4510921" cy="355402"/>
-          </a:xfrm>
-          <a:prstGeom prst="rect">
-            <a:avLst/>
-          </a:prstGeom>
-          <a:noFill/>
-          <a:ln/>
-        </p:spPr>
-        <p:txBody>
-          <a:bodyPr wrap="none" rtlCol="0" anchor="t"/>
-          <a:lstStyle/>
-          <a:p>
-            <a:pPr marL="0" indent="0">
-              <a:lnSpc>
-                <a:spcPts val="2799"/>
-              </a:lnSpc>
-              <a:buNone/>
-            </a:pPr>
-            <a:r>
-              <a:rPr lang="en-US" sz="1750" dirty="0">
-                <a:solidFill>
-                  <a:srgbClr val="E5E0DF"/>
-                </a:solidFill>
-                <a:latin typeface="Overpass" pitchFamily="34" charset="0"/>
-                <a:ea typeface="Overpass" pitchFamily="34" charset="-122"/>
-              </a:rPr>
-              <a:t>0.45 / 0.55</a:t>
-            </a:r>
-            <a:endParaRPr lang="en-US" sz="1750" dirty="0"/>
-          </a:p>
-        </p:txBody>
-      </p:sp>
-      <p:sp>
-        <p:nvSpPr>
-          <p:cNvPr id="20" name="Text 17"/>
-          <p:cNvSpPr/>
-          <p:nvPr/>
-        </p:nvSpPr>
-        <p:spPr>
-          <a:xfrm>
-            <a:off x="7541181" y="4944904"/>
-            <a:ext cx="4510921" cy="355402"/>
-          </a:xfrm>
-          <a:prstGeom prst="rect">
-            <a:avLst/>
-          </a:prstGeom>
-          <a:noFill/>
-          <a:ln/>
-        </p:spPr>
-        <p:txBody>
-          <a:bodyPr wrap="none" rtlCol="0" anchor="t"/>
-          <a:lstStyle/>
-          <a:p>
-            <a:pPr marL="0" indent="0">
-              <a:lnSpc>
-                <a:spcPts val="2799"/>
-              </a:lnSpc>
-              <a:buNone/>
-            </a:pPr>
-            <a:r>
-              <a:rPr lang="en-US" sz="1750" dirty="0">
-                <a:solidFill>
-                  <a:srgbClr val="E5E0DF"/>
-                </a:solidFill>
-                <a:latin typeface="Overpass" pitchFamily="34" charset="0"/>
-                <a:ea typeface="Overpass" pitchFamily="34" charset="-122"/>
-                <a:cs typeface="Overpass" pitchFamily="34" charset="-120"/>
-              </a:rPr>
-              <a:t>99.17%</a:t>
-            </a:r>
-            <a:endParaRPr lang="en-US" sz="1750" dirty="0"/>
-          </a:p>
-        </p:txBody>
-      </p:sp>
-      <p:sp>
-        <p:nvSpPr>
-          <p:cNvPr id="21" name="Text 18"/>
-          <p:cNvSpPr/>
-          <p:nvPr/>
-        </p:nvSpPr>
-        <p:spPr>
-          <a:xfrm>
-            <a:off x="2348389" y="5698688"/>
-            <a:ext cx="9933503" cy="1421606"/>
-          </a:xfrm>
-          <a:prstGeom prst="rect">
-            <a:avLst/>
-          </a:prstGeom>
-          <a:noFill/>
-          <a:ln/>
-        </p:spPr>
-        <p:txBody>
-          <a:bodyPr wrap="square" rtlCol="0" anchor="t"/>
-          <a:lstStyle/>
-          <a:p>
-            <a:pPr marL="0" indent="0">
-              <a:lnSpc>
-                <a:spcPts val="2799"/>
-              </a:lnSpc>
-              <a:buNone/>
-            </a:pPr>
-            <a:r>
-              <a:rPr lang="en-US" sz="1750" dirty="0">
-                <a:solidFill>
-                  <a:srgbClr val="E5E0DF"/>
-                </a:solidFill>
-                <a:latin typeface="Overpass" pitchFamily="34" charset="0"/>
-                <a:ea typeface="Overpass" pitchFamily="34" charset="-122"/>
-                <a:cs typeface="Overpass" pitchFamily="34" charset="-120"/>
-              </a:rPr>
-              <a:t>After thorough observation of the results the conclusion is that the most optimal split of data is the 0.65 training set / 0.35 test set ratio.</a:t>
-            </a:r>
-          </a:p>
-        </p:txBody>
-      </p:sp>
-      <p:pic>
-        <p:nvPicPr>
-          <p:cNvPr id="22" name="Image 1" descr="preencoded.png">
-            <a:hlinkClick r:id="rId4"/>
-          </p:cNvPr>
-          <p:cNvPicPr>
-            <a:picLocks noChangeAspect="1"/>
-          </p:cNvPicPr>
-          <p:nvPr/>
-        </p:nvPicPr>
-        <p:blipFill>
-          <a:blip r:embed="rId5"/>
           <a:stretch>
             <a:fillRect/>
           </a:stretch>
